--- a/004_JSTQB_ALTM/001_images/image_ALTM.pptx
+++ b/004_JSTQB_ALTM/001_images/image_ALTM.pptx
@@ -2972,7 +2972,7 @@
           <a:p>
             <a:fld id="{D94EFAE9-3EDA-4683-8A78-96733E7C2D85}" type="datetimeFigureOut">
               <a:rPr kumimoji="1" lang="ja-JP" altLang="en-US" smtClean="0"/>
-              <a:t>2022/3/9</a:t>
+              <a:t>2022/3/10</a:t>
             </a:fld>
             <a:endParaRPr kumimoji="1" lang="ja-JP" altLang="en-US"/>
           </a:p>
@@ -3202,7 +3202,7 @@
           <a:p>
             <a:fld id="{D94EFAE9-3EDA-4683-8A78-96733E7C2D85}" type="datetimeFigureOut">
               <a:rPr kumimoji="1" lang="ja-JP" altLang="en-US" smtClean="0"/>
-              <a:t>2022/3/9</a:t>
+              <a:t>2022/3/10</a:t>
             </a:fld>
             <a:endParaRPr kumimoji="1" lang="ja-JP" altLang="en-US"/>
           </a:p>
@@ -3442,7 +3442,7 @@
           <a:p>
             <a:fld id="{D94EFAE9-3EDA-4683-8A78-96733E7C2D85}" type="datetimeFigureOut">
               <a:rPr kumimoji="1" lang="ja-JP" altLang="en-US" smtClean="0"/>
-              <a:t>2022/3/9</a:t>
+              <a:t>2022/3/10</a:t>
             </a:fld>
             <a:endParaRPr kumimoji="1" lang="ja-JP" altLang="en-US"/>
           </a:p>
@@ -3672,7 +3672,7 @@
           <a:p>
             <a:fld id="{D94EFAE9-3EDA-4683-8A78-96733E7C2D85}" type="datetimeFigureOut">
               <a:rPr kumimoji="1" lang="ja-JP" altLang="en-US" smtClean="0"/>
-              <a:t>2022/3/9</a:t>
+              <a:t>2022/3/10</a:t>
             </a:fld>
             <a:endParaRPr kumimoji="1" lang="ja-JP" altLang="en-US"/>
           </a:p>
@@ -3947,7 +3947,7 @@
           <a:p>
             <a:fld id="{D94EFAE9-3EDA-4683-8A78-96733E7C2D85}" type="datetimeFigureOut">
               <a:rPr kumimoji="1" lang="ja-JP" altLang="en-US" smtClean="0"/>
-              <a:t>2022/3/9</a:t>
+              <a:t>2022/3/10</a:t>
             </a:fld>
             <a:endParaRPr kumimoji="1" lang="ja-JP" altLang="en-US"/>
           </a:p>
@@ -4276,7 +4276,7 @@
           <a:p>
             <a:fld id="{D94EFAE9-3EDA-4683-8A78-96733E7C2D85}" type="datetimeFigureOut">
               <a:rPr kumimoji="1" lang="ja-JP" altLang="en-US" smtClean="0"/>
-              <a:t>2022/3/9</a:t>
+              <a:t>2022/3/10</a:t>
             </a:fld>
             <a:endParaRPr kumimoji="1" lang="ja-JP" altLang="en-US"/>
           </a:p>
@@ -4752,7 +4752,7 @@
           <a:p>
             <a:fld id="{D94EFAE9-3EDA-4683-8A78-96733E7C2D85}" type="datetimeFigureOut">
               <a:rPr kumimoji="1" lang="ja-JP" altLang="en-US" smtClean="0"/>
-              <a:t>2022/3/9</a:t>
+              <a:t>2022/3/10</a:t>
             </a:fld>
             <a:endParaRPr kumimoji="1" lang="ja-JP" altLang="en-US"/>
           </a:p>
@@ -4893,7 +4893,7 @@
           <a:p>
             <a:fld id="{D94EFAE9-3EDA-4683-8A78-96733E7C2D85}" type="datetimeFigureOut">
               <a:rPr kumimoji="1" lang="ja-JP" altLang="en-US" smtClean="0"/>
-              <a:t>2022/3/9</a:t>
+              <a:t>2022/3/10</a:t>
             </a:fld>
             <a:endParaRPr kumimoji="1" lang="ja-JP" altLang="en-US"/>
           </a:p>
@@ -5006,7 +5006,7 @@
           <a:p>
             <a:fld id="{D94EFAE9-3EDA-4683-8A78-96733E7C2D85}" type="datetimeFigureOut">
               <a:rPr kumimoji="1" lang="ja-JP" altLang="en-US" smtClean="0"/>
-              <a:t>2022/3/9</a:t>
+              <a:t>2022/3/10</a:t>
             </a:fld>
             <a:endParaRPr kumimoji="1" lang="ja-JP" altLang="en-US"/>
           </a:p>
@@ -5349,7 +5349,7 @@
           <a:p>
             <a:fld id="{D94EFAE9-3EDA-4683-8A78-96733E7C2D85}" type="datetimeFigureOut">
               <a:rPr kumimoji="1" lang="ja-JP" altLang="en-US" smtClean="0"/>
-              <a:t>2022/3/9</a:t>
+              <a:t>2022/3/10</a:t>
             </a:fld>
             <a:endParaRPr kumimoji="1" lang="ja-JP" altLang="en-US"/>
           </a:p>
@@ -5637,7 +5637,7 @@
           <a:p>
             <a:fld id="{D94EFAE9-3EDA-4683-8A78-96733E7C2D85}" type="datetimeFigureOut">
               <a:rPr kumimoji="1" lang="ja-JP" altLang="en-US" smtClean="0"/>
-              <a:t>2022/3/9</a:t>
+              <a:t>2022/3/10</a:t>
             </a:fld>
             <a:endParaRPr kumimoji="1" lang="ja-JP" altLang="en-US"/>
           </a:p>
@@ -5910,7 +5910,7 @@
           <a:p>
             <a:fld id="{D94EFAE9-3EDA-4683-8A78-96733E7C2D85}" type="datetimeFigureOut">
               <a:rPr kumimoji="1" lang="ja-JP" altLang="en-US" smtClean="0"/>
-              <a:t>2022/3/9</a:t>
+              <a:t>2022/3/10</a:t>
             </a:fld>
             <a:endParaRPr kumimoji="1" lang="ja-JP" altLang="en-US"/>
           </a:p>
@@ -6313,6 +6313,17 @@
 <file path=ppt/slides/slide1.xml><?xml version="1.0" encoding="utf-8"?>
 <p:sld xmlns:a="http://schemas.openxmlformats.org/drawingml/2006/main" xmlns:r="http://schemas.openxmlformats.org/officeDocument/2006/relationships" xmlns:p="http://schemas.openxmlformats.org/presentationml/2006/main">
   <p:cSld>
+    <p:bg>
+      <p:bgPr>
+        <a:solidFill>
+          <a:schemeClr val="accent5">
+            <a:lumMod val="20000"/>
+            <a:lumOff val="80000"/>
+          </a:schemeClr>
+        </a:solidFill>
+        <a:effectLst/>
+      </p:bgPr>
+    </p:bg>
     <p:spTree>
       <p:nvGrpSpPr>
         <p:cNvPr id="1" name=""/>
